--- a/docs/userapi/UserDesignApps.pptx
+++ b/docs/userapi/UserDesignApps.pptx
@@ -290,7 +290,7 @@
           <a:p>
             <a:fld id="{303CFF4D-8D22-5B44-9F89-D3FEF775BD3F}" type="datetimeFigureOut">
               <a:rPr lang="en-US" smtClean="0"/>
-              <a:t>4/17/14</a:t>
+              <a:t>4/18/14</a:t>
             </a:fld>
             <a:endParaRPr lang="en-US"/>
           </a:p>
@@ -460,7 +460,7 @@
           <a:p>
             <a:fld id="{303CFF4D-8D22-5B44-9F89-D3FEF775BD3F}" type="datetimeFigureOut">
               <a:rPr lang="en-US" smtClean="0"/>
-              <a:t>4/17/14</a:t>
+              <a:t>4/18/14</a:t>
             </a:fld>
             <a:endParaRPr lang="en-US"/>
           </a:p>
@@ -640,7 +640,7 @@
           <a:p>
             <a:fld id="{303CFF4D-8D22-5B44-9F89-D3FEF775BD3F}" type="datetimeFigureOut">
               <a:rPr lang="en-US" smtClean="0"/>
-              <a:t>4/17/14</a:t>
+              <a:t>4/18/14</a:t>
             </a:fld>
             <a:endParaRPr lang="en-US"/>
           </a:p>
@@ -810,7 +810,7 @@
           <a:p>
             <a:fld id="{303CFF4D-8D22-5B44-9F89-D3FEF775BD3F}" type="datetimeFigureOut">
               <a:rPr lang="en-US" smtClean="0"/>
-              <a:t>4/17/14</a:t>
+              <a:t>4/18/14</a:t>
             </a:fld>
             <a:endParaRPr lang="en-US"/>
           </a:p>
@@ -1056,7 +1056,7 @@
           <a:p>
             <a:fld id="{303CFF4D-8D22-5B44-9F89-D3FEF775BD3F}" type="datetimeFigureOut">
               <a:rPr lang="en-US" smtClean="0"/>
-              <a:t>4/17/14</a:t>
+              <a:t>4/18/14</a:t>
             </a:fld>
             <a:endParaRPr lang="en-US"/>
           </a:p>
@@ -1344,7 +1344,7 @@
           <a:p>
             <a:fld id="{303CFF4D-8D22-5B44-9F89-D3FEF775BD3F}" type="datetimeFigureOut">
               <a:rPr lang="en-US" smtClean="0"/>
-              <a:t>4/17/14</a:t>
+              <a:t>4/18/14</a:t>
             </a:fld>
             <a:endParaRPr lang="en-US"/>
           </a:p>
@@ -1771,7 +1771,7 @@
           <a:p>
             <a:fld id="{303CFF4D-8D22-5B44-9F89-D3FEF775BD3F}" type="datetimeFigureOut">
               <a:rPr lang="en-US" smtClean="0"/>
-              <a:t>4/17/14</a:t>
+              <a:t>4/18/14</a:t>
             </a:fld>
             <a:endParaRPr lang="en-US"/>
           </a:p>
@@ -1889,7 +1889,7 @@
           <a:p>
             <a:fld id="{303CFF4D-8D22-5B44-9F89-D3FEF775BD3F}" type="datetimeFigureOut">
               <a:rPr lang="en-US" smtClean="0"/>
-              <a:t>4/17/14</a:t>
+              <a:t>4/18/14</a:t>
             </a:fld>
             <a:endParaRPr lang="en-US"/>
           </a:p>
@@ -1984,7 +1984,7 @@
           <a:p>
             <a:fld id="{303CFF4D-8D22-5B44-9F89-D3FEF775BD3F}" type="datetimeFigureOut">
               <a:rPr lang="en-US" smtClean="0"/>
-              <a:t>4/17/14</a:t>
+              <a:t>4/18/14</a:t>
             </a:fld>
             <a:endParaRPr lang="en-US"/>
           </a:p>
@@ -2261,7 +2261,7 @@
           <a:p>
             <a:fld id="{303CFF4D-8D22-5B44-9F89-D3FEF775BD3F}" type="datetimeFigureOut">
               <a:rPr lang="en-US" smtClean="0"/>
-              <a:t>4/17/14</a:t>
+              <a:t>4/18/14</a:t>
             </a:fld>
             <a:endParaRPr lang="en-US"/>
           </a:p>
@@ -2514,7 +2514,7 @@
           <a:p>
             <a:fld id="{303CFF4D-8D22-5B44-9F89-D3FEF775BD3F}" type="datetimeFigureOut">
               <a:rPr lang="en-US" smtClean="0"/>
-              <a:t>4/17/14</a:t>
+              <a:t>4/18/14</a:t>
             </a:fld>
             <a:endParaRPr lang="en-US"/>
           </a:p>
@@ -2727,7 +2727,7 @@
           <a:p>
             <a:fld id="{303CFF4D-8D22-5B44-9F89-D3FEF775BD3F}" type="datetimeFigureOut">
               <a:rPr lang="en-US" smtClean="0"/>
-              <a:t>4/17/14</a:t>
+              <a:t>4/18/14</a:t>
             </a:fld>
             <a:endParaRPr lang="en-US"/>
           </a:p>
@@ -7029,7 +7029,7 @@
           <p:nvPr>
             <p:extLst>
               <p:ext uri="{D42A27DB-BD31-4B8C-83A1-F6EECF244321}">
-                <p14:modId xmlns:p14="http://schemas.microsoft.com/office/powerpoint/2010/main" val="1587913360"/>
+                <p14:modId xmlns:p14="http://schemas.microsoft.com/office/powerpoint/2010/main" val="3241923937"/>
               </p:ext>
             </p:extLst>
           </p:nvPr>
@@ -7272,7 +7272,7 @@
                       <a:pPr algn="ctr"/>
                       <a:r>
                         <a:rPr kumimoji="1" lang="en-US" altLang="ja-JP" sz="1000" dirty="0" smtClean="0"/>
-                        <a:t>#4</a:t>
+                        <a:t>#5</a:t>
                       </a:r>
                       <a:endParaRPr kumimoji="1" lang="ja-JP" altLang="en-US" sz="1000" b="0" dirty="0"/>
                     </a:p>
@@ -7321,7 +7321,7 @@
                       <a:pPr algn="ctr"/>
                       <a:r>
                         <a:rPr kumimoji="1" lang="en-US" altLang="ja-JP" sz="1000" b="0" dirty="0" smtClean="0"/>
-                        <a:t>#5</a:t>
+                        <a:t>#6</a:t>
                       </a:r>
                       <a:endParaRPr kumimoji="1" lang="ja-JP" altLang="en-US" sz="1000" b="0" dirty="0"/>
                     </a:p>
